--- a/materials/slides/ch12-wcms-api-design.pptx
+++ b/materials/slides/ch12-wcms-api-design.pptx
@@ -223,7 +223,7 @@
           <a:p>
             <a:fld id="{E923E828-953C-4D4A-9B10-11E7329F433D}" type="datetimeFigureOut">
               <a:rPr lang="zh-CN" altLang="en-US" smtClean="0"/>
-              <a:t>2018/4/15</a:t>
+              <a:t>2018/4/17</a:t>
             </a:fld>
             <a:endParaRPr lang="zh-CN" altLang="en-US"/>
           </a:p>
@@ -404,7 +404,7 @@
           <a:p>
             <a:fld id="{867C5346-22E5-4085-8130-851344A84DFF}" type="datetimeFigureOut">
               <a:rPr lang="zh-CN" altLang="en-US" smtClean="0"/>
-              <a:t>2018/4/15</a:t>
+              <a:t>2018/4/17</a:t>
             </a:fld>
             <a:endParaRPr lang="zh-CN" altLang="en-US"/>
           </a:p>
@@ -1502,7 +1502,7 @@
           <a:p>
             <a:fld id="{A5E21016-498F-4141-B0CA-D95A38CA7D62}" type="datetimeFigureOut">
               <a:rPr lang="zh-CN" altLang="en-US" smtClean="0"/>
-              <a:t>2018/4/15</a:t>
+              <a:t>2018/4/17</a:t>
             </a:fld>
             <a:endParaRPr lang="zh-CN" altLang="en-US"/>
           </a:p>
@@ -1732,7 +1732,7 @@
           <a:p>
             <a:fld id="{A5E21016-498F-4141-B0CA-D95A38CA7D62}" type="datetimeFigureOut">
               <a:rPr lang="zh-CN" altLang="en-US" smtClean="0"/>
-              <a:t>2018/4/15</a:t>
+              <a:t>2018/4/17</a:t>
             </a:fld>
             <a:endParaRPr lang="zh-CN" altLang="en-US"/>
           </a:p>
@@ -1967,7 +1967,7 @@
           <a:p>
             <a:fld id="{A5E21016-498F-4141-B0CA-D95A38CA7D62}" type="datetimeFigureOut">
               <a:rPr lang="zh-CN" altLang="en-US" smtClean="0"/>
-              <a:t>2018/4/15</a:t>
+              <a:t>2018/4/17</a:t>
             </a:fld>
             <a:endParaRPr lang="zh-CN" altLang="en-US"/>
           </a:p>
@@ -2529,7 +2529,7 @@
           <a:p>
             <a:fld id="{A5E21016-498F-4141-B0CA-D95A38CA7D62}" type="datetimeFigureOut">
               <a:rPr lang="zh-CN" altLang="en-US" smtClean="0"/>
-              <a:t>2018/4/15</a:t>
+              <a:t>2018/4/17</a:t>
             </a:fld>
             <a:endParaRPr lang="zh-CN" altLang="en-US"/>
           </a:p>
@@ -2826,7 +2826,7 @@
           <a:p>
             <a:fld id="{A5E21016-498F-4141-B0CA-D95A38CA7D62}" type="datetimeFigureOut">
               <a:rPr lang="zh-CN" altLang="en-US" smtClean="0"/>
-              <a:t>2018/4/15</a:t>
+              <a:t>2018/4/17</a:t>
             </a:fld>
             <a:endParaRPr lang="zh-CN" altLang="en-US"/>
           </a:p>
@@ -3265,7 +3265,7 @@
           <a:p>
             <a:fld id="{A5E21016-498F-4141-B0CA-D95A38CA7D62}" type="datetimeFigureOut">
               <a:rPr lang="zh-CN" altLang="en-US" smtClean="0"/>
-              <a:t>2018/4/15</a:t>
+              <a:t>2018/4/17</a:t>
             </a:fld>
             <a:endParaRPr lang="zh-CN" altLang="en-US"/>
           </a:p>
@@ -3438,7 +3438,7 @@
           <a:p>
             <a:fld id="{A5E21016-498F-4141-B0CA-D95A38CA7D62}" type="datetimeFigureOut">
               <a:rPr lang="zh-CN" altLang="en-US" smtClean="0"/>
-              <a:t>2018/4/15</a:t>
+              <a:t>2018/4/17</a:t>
             </a:fld>
             <a:endParaRPr lang="zh-CN" altLang="en-US"/>
           </a:p>
@@ -3575,7 +3575,7 @@
           <a:p>
             <a:fld id="{A5E21016-498F-4141-B0CA-D95A38CA7D62}" type="datetimeFigureOut">
               <a:rPr lang="zh-CN" altLang="en-US" smtClean="0"/>
-              <a:t>2018/4/15</a:t>
+              <a:t>2018/4/17</a:t>
             </a:fld>
             <a:endParaRPr lang="zh-CN" altLang="en-US"/>
           </a:p>
@@ -3913,7 +3913,7 @@
           <a:p>
             <a:fld id="{A5E21016-498F-4141-B0CA-D95A38CA7D62}" type="datetimeFigureOut">
               <a:rPr lang="zh-CN" altLang="en-US" smtClean="0"/>
-              <a:t>2018/4/15</a:t>
+              <a:t>2018/4/17</a:t>
             </a:fld>
             <a:endParaRPr lang="zh-CN" altLang="en-US"/>
           </a:p>
@@ -4228,7 +4228,7 @@
           <a:p>
             <a:fld id="{A5E21016-498F-4141-B0CA-D95A38CA7D62}" type="datetimeFigureOut">
               <a:rPr lang="zh-CN" altLang="en-US" smtClean="0"/>
-              <a:t>2018/4/15</a:t>
+              <a:t>2018/4/17</a:t>
             </a:fld>
             <a:endParaRPr lang="zh-CN" altLang="en-US"/>
           </a:p>
@@ -4827,7 +4827,7 @@
         <p:spPr>
           <a:xfrm>
             <a:off x="672483" y="1012055"/>
-            <a:ext cx="10847034" cy="4893647"/>
+            <a:ext cx="10847034" cy="5016758"/>
           </a:xfrm>
           <a:prstGeom prst="rect">
             <a:avLst/>
@@ -4903,18 +4903,18 @@
           <a:p>
             <a:pPr algn="ctr"/>
             <a:r>
-              <a:rPr lang="zh-CN" altLang="en-US" sz="2800"/>
+              <a:rPr lang="zh-CN" altLang="en-US" sz="3200"/>
               <a:t>第十二讲  </a:t>
             </a:r>
             <a:r>
-              <a:rPr lang="en-US" altLang="zh-CN" sz="2800"/>
+              <a:rPr lang="en-US" altLang="zh-CN" sz="3200"/>
               <a:t>WCMS – API</a:t>
             </a:r>
             <a:r>
-              <a:rPr lang="zh-CN" altLang="en-US" sz="2800"/>
+              <a:rPr lang="zh-CN" altLang="en-US" sz="3200"/>
               <a:t>设计</a:t>
             </a:r>
-            <a:endParaRPr lang="en-US" altLang="zh-CN" sz="2800" dirty="0"/>
+            <a:endParaRPr lang="en-US" altLang="zh-CN" sz="3200" dirty="0"/>
           </a:p>
           <a:p>
             <a:endParaRPr lang="en-US" altLang="zh-CN" dirty="0"/>
@@ -5287,7 +5287,7 @@
           <a:p>
             <a:r>
               <a:rPr lang="zh-CN" altLang="en-US" sz="2400"/>
-              <a:t>！对内容的操作，用户仅仅是查看收藏，管理员具备修改功能。</a:t>
+              <a:t>！对内容的操作，用户仅仅是查看收藏，管理员具备修改功这里体现的增删改查并不是通常框架所提供的基础操作，那些操作无法满足需求。</a:t>
             </a:r>
             <a:endParaRPr lang="en-US" altLang="zh-CN" sz="2400"/>
           </a:p>
@@ -5589,66 +5589,66 @@
               </a:lnSpc>
             </a:pPr>
             <a:r>
-              <a:rPr lang="zh-CN" altLang="en-US" sz="2000"/>
+              <a:rPr lang="zh-CN" altLang="en-US" sz="2400"/>
               <a:t>通常解决跨域使用的是</a:t>
             </a:r>
             <a:r>
-              <a:rPr lang="en-US" altLang="zh-CN" sz="2000"/>
+              <a:rPr lang="en-US" altLang="zh-CN" sz="2400"/>
               <a:t>JSONP</a:t>
             </a:r>
             <a:r>
-              <a:rPr lang="zh-CN" altLang="en-US" sz="2000"/>
+              <a:rPr lang="zh-CN" altLang="en-US" sz="2400"/>
               <a:t>方法，</a:t>
             </a:r>
             <a:r>
-              <a:rPr lang="en-US" altLang="zh-CN" sz="2000"/>
+              <a:rPr lang="en-US" altLang="zh-CN" sz="2400"/>
               <a:t>JQuery</a:t>
             </a:r>
             <a:r>
-              <a:rPr lang="zh-CN" altLang="en-US" sz="2000"/>
+              <a:rPr lang="zh-CN" altLang="en-US" sz="2400"/>
               <a:t>也提供了接口，但是</a:t>
             </a:r>
             <a:r>
-              <a:rPr lang="en-US" altLang="zh-CN" sz="2000"/>
+              <a:rPr lang="en-US" altLang="zh-CN" sz="2400"/>
               <a:t>JSONP</a:t>
             </a:r>
             <a:r>
-              <a:rPr lang="zh-CN" altLang="en-US" sz="2000"/>
+              <a:rPr lang="zh-CN" altLang="en-US" sz="2400"/>
               <a:t>只能发起</a:t>
             </a:r>
             <a:r>
-              <a:rPr lang="en-US" altLang="zh-CN" sz="2000"/>
+              <a:rPr lang="en-US" altLang="zh-CN" sz="2400"/>
               <a:t>GET</a:t>
             </a:r>
             <a:r>
-              <a:rPr lang="zh-CN" altLang="en-US" sz="2000"/>
-              <a:t>请求。实际上</a:t>
-            </a:r>
-            <a:r>
-              <a:rPr lang="en-US" altLang="zh-CN" sz="2000"/>
+              <a:rPr lang="zh-CN" altLang="en-US" sz="2400"/>
+              <a:t>请求。实际</a:t>
+            </a:r>
+            <a:r>
+              <a:rPr lang="en-US" altLang="zh-CN" sz="2400"/>
               <a:t>JSONP</a:t>
             </a:r>
             <a:r>
-              <a:rPr lang="zh-CN" altLang="en-US" sz="2000"/>
+              <a:rPr lang="zh-CN" altLang="en-US" sz="2400"/>
               <a:t>的本质就是使用</a:t>
             </a:r>
             <a:r>
-              <a:rPr lang="en-US" altLang="zh-CN" sz="2000"/>
+              <a:rPr lang="en-US" altLang="zh-CN" sz="2400"/>
               <a:t>&lt;script src=“****”&gt;&lt;/script&gt;</a:t>
             </a:r>
             <a:r>
-              <a:rPr lang="zh-CN" altLang="en-US" sz="2000"/>
+              <a:rPr lang="zh-CN" altLang="en-US" sz="2400"/>
               <a:t>的方式解决的，</a:t>
             </a:r>
             <a:r>
-              <a:rPr lang="en-US" altLang="zh-CN" sz="2000"/>
+              <a:rPr lang="en-US" altLang="zh-CN" sz="2400"/>
               <a:t>&lt;script&gt;</a:t>
             </a:r>
             <a:r>
-              <a:rPr lang="zh-CN" altLang="en-US" sz="2000"/>
+              <a:rPr lang="zh-CN" altLang="en-US" sz="2400"/>
               <a:t>的方式是不受同源策略限制的。但是功能有限。</a:t>
             </a:r>
-            <a:endParaRPr lang="en-US" altLang="zh-CN" sz="2000"/>
+            <a:endParaRPr lang="en-US" altLang="zh-CN" sz="2400"/>
           </a:p>
           <a:p>
             <a:pPr>
@@ -5657,30 +5657,30 @@
               </a:lnSpc>
             </a:pPr>
             <a:r>
-              <a:rPr lang="en-US" altLang="zh-CN" sz="2000"/>
+              <a:rPr lang="en-US" altLang="zh-CN" sz="2400"/>
               <a:t>CORS</a:t>
             </a:r>
             <a:r>
-              <a:rPr lang="zh-CN" altLang="en-US" sz="2000"/>
+              <a:rPr lang="zh-CN" altLang="en-US" sz="2400"/>
               <a:t>：跨源资源分享（</a:t>
             </a:r>
             <a:r>
-              <a:rPr lang="en-US" altLang="zh-CN" sz="2000"/>
+              <a:rPr lang="en-US" altLang="zh-CN" sz="2400"/>
               <a:t>Cross-Origin Resource Sharing</a:t>
             </a:r>
             <a:r>
-              <a:rPr lang="zh-CN" altLang="en-US" sz="2000"/>
+              <a:rPr lang="zh-CN" altLang="en-US" sz="2400"/>
               <a:t>）的缩写，</a:t>
             </a:r>
             <a:r>
-              <a:rPr lang="en-US" altLang="zh-CN" sz="2000"/>
+              <a:rPr lang="en-US" altLang="zh-CN" sz="2400"/>
               <a:t>W3C</a:t>
             </a:r>
             <a:r>
-              <a:rPr lang="zh-CN" altLang="en-US" sz="2000"/>
+              <a:rPr lang="zh-CN" altLang="en-US" sz="2400"/>
               <a:t>标准，这个是解决跨域请求的根本方法。</a:t>
             </a:r>
-            <a:endParaRPr lang="en-US" altLang="zh-CN" sz="2000"/>
+            <a:endParaRPr lang="en-US" altLang="zh-CN" sz="2400"/>
           </a:p>
           <a:p>
             <a:pPr>
@@ -5688,7 +5688,7 @@
                 <a:spcPts val="2600"/>
               </a:lnSpc>
             </a:pPr>
-            <a:endParaRPr lang="en-US" altLang="zh-CN" sz="2000"/>
+            <a:endParaRPr lang="en-US" altLang="zh-CN" sz="2400"/>
           </a:p>
           <a:p>
             <a:pPr>
@@ -5697,35 +5697,35 @@
               </a:lnSpc>
             </a:pPr>
             <a:r>
-              <a:rPr lang="zh-CN" altLang="en-US" sz="2000"/>
+              <a:rPr lang="zh-CN" altLang="en-US" sz="2400"/>
               <a:t>使用</a:t>
             </a:r>
             <a:r>
-              <a:rPr lang="en-US" altLang="zh-CN" sz="2000"/>
+              <a:rPr lang="en-US" altLang="zh-CN" sz="2400"/>
               <a:t>CORS</a:t>
             </a:r>
             <a:r>
-              <a:rPr lang="zh-CN" altLang="en-US" sz="2000"/>
+              <a:rPr lang="zh-CN" altLang="en-US" sz="2400"/>
               <a:t>解决</a:t>
             </a:r>
             <a:r>
-              <a:rPr lang="en-US" altLang="zh-CN" sz="2000"/>
+              <a:rPr lang="en-US" altLang="zh-CN" sz="2400"/>
               <a:t>AJAX</a:t>
             </a:r>
             <a:r>
-              <a:rPr lang="zh-CN" altLang="en-US" sz="2000"/>
+              <a:rPr lang="zh-CN" altLang="en-US" sz="2400"/>
               <a:t>跨域请求：</a:t>
             </a:r>
             <a:r>
-              <a:rPr lang="en-US" altLang="zh-CN" sz="2000"/>
+              <a:rPr lang="en-US" altLang="zh-CN" sz="2400"/>
               <a:t>PHP</a:t>
             </a:r>
             <a:r>
-              <a:rPr lang="zh-CN" altLang="en-US" sz="2000"/>
+              <a:rPr lang="zh-CN" altLang="en-US" sz="2400"/>
               <a:t>返回请求的头信息加上</a:t>
             </a:r>
             <a:r>
-              <a:rPr lang="en-US" altLang="zh-CN" sz="2000"/>
+              <a:rPr lang="en-US" altLang="zh-CN" sz="2400"/>
               <a:t>Access-Control-Allow-Origin:*</a:t>
             </a:r>
           </a:p>
@@ -5736,14 +5736,14 @@
               </a:lnSpc>
             </a:pPr>
             <a:r>
-              <a:rPr lang="en-US" altLang="zh-CN" sz="2000"/>
+              <a:rPr lang="en-US" altLang="zh-CN" sz="2400"/>
               <a:t>*</a:t>
             </a:r>
             <a:r>
-              <a:rPr lang="zh-CN" altLang="en-US" sz="2000"/>
+              <a:rPr lang="zh-CN" altLang="en-US" sz="2400"/>
               <a:t>表示所有域名都可以访问，如果是具体的域名则写成：</a:t>
             </a:r>
-            <a:endParaRPr lang="en-US" altLang="zh-CN" sz="2000"/>
+            <a:endParaRPr lang="en-US" altLang="zh-CN" sz="2400"/>
           </a:p>
           <a:p>
             <a:pPr marL="457200" lvl="1" indent="0">
@@ -5753,7 +5753,7 @@
               <a:buNone/>
             </a:pPr>
             <a:r>
-              <a:rPr lang="en-US" altLang="zh-CN" sz="2000"/>
+              <a:rPr lang="en-US" altLang="zh-CN"/>
               <a:t>Access-Control-Allow-Origin:a.com ; b.com</a:t>
             </a:r>
           </a:p>
@@ -5764,10 +5764,10 @@
               </a:lnSpc>
             </a:pPr>
             <a:r>
-              <a:rPr lang="zh-CN" altLang="en-US" sz="2000"/>
+              <a:rPr lang="zh-CN" altLang="en-US" sz="2400"/>
               <a:t>多个域名用；分隔。</a:t>
             </a:r>
-            <a:endParaRPr lang="en-US" altLang="zh-CN" sz="2000"/>
+            <a:endParaRPr lang="en-US" altLang="zh-CN" sz="2400"/>
           </a:p>
         </p:txBody>
       </p:sp>
@@ -5865,16 +5865,340 @@
           </a:bodyPr>
           <a:lstStyle/>
           <a:p>
+            <a:pPr>
+              <a:lnSpc>
+                <a:spcPct val="100000"/>
+              </a:lnSpc>
+            </a:pPr>
+            <a:r>
+              <a:rPr lang="zh-CN" altLang="en-US" sz="2400"/>
+              <a:t>目录结构与功能：</a:t>
+            </a:r>
+            <a:endParaRPr lang="en-US" altLang="zh-CN" sz="2400"/>
+          </a:p>
+          <a:p>
             <a:pPr marL="0" indent="0">
               <a:lnSpc>
                 <a:spcPct val="100000"/>
               </a:lnSpc>
               <a:buNone/>
             </a:pPr>
-            <a:endParaRPr lang="en-US" altLang="zh-CN" sz="1800" dirty="0"/>
-          </a:p>
-        </p:txBody>
-      </p:sp>
+            <a:endParaRPr lang="en-US" altLang="zh-CN" sz="2000" dirty="0"/>
+          </a:p>
+        </p:txBody>
+      </p:sp>
+      <p:graphicFrame>
+        <p:nvGraphicFramePr>
+          <p:cNvPr id="2" name="表格 1">
+            <a:extLst>
+              <a:ext uri="{FF2B5EF4-FFF2-40B4-BE49-F238E27FC236}">
+                <a16:creationId xmlns:a16="http://schemas.microsoft.com/office/drawing/2014/main" id="{FFE813BD-6D27-45B3-9F1D-6D8BD977FC01}"/>
+              </a:ext>
+            </a:extLst>
+          </p:cNvPr>
+          <p:cNvGraphicFramePr>
+            <a:graphicFrameLocks noGrp="1"/>
+          </p:cNvGraphicFramePr>
+          <p:nvPr>
+            <p:extLst>
+              <p:ext uri="{D42A27DB-BD31-4B8C-83A1-F6EECF244321}">
+                <p14:modId xmlns:p14="http://schemas.microsoft.com/office/powerpoint/2010/main" val="3957198996"/>
+              </p:ext>
+            </p:extLst>
+          </p:nvPr>
+        </p:nvGraphicFramePr>
+        <p:xfrm>
+          <a:off x="1657594" y="2187758"/>
+          <a:ext cx="8876811" cy="4256784"/>
+        </p:xfrm>
+        <a:graphic>
+          <a:graphicData uri="http://schemas.openxmlformats.org/drawingml/2006/table">
+            <a:tbl>
+              <a:tblPr firstRow="1" bandRow="1">
+                <a:tableStyleId>{2D5ABB26-0587-4C30-8999-92F81FD0307C}</a:tableStyleId>
+              </a:tblPr>
+              <a:tblGrid>
+                <a:gridCol w="2052760">
+                  <a:extLst>
+                    <a:ext uri="{9D8B030D-6E8A-4147-A177-3AD203B41FA5}">
+                      <a16:colId xmlns:a16="http://schemas.microsoft.com/office/drawing/2014/main" val="2748919601"/>
+                    </a:ext>
+                  </a:extLst>
+                </a:gridCol>
+                <a:gridCol w="6824051">
+                  <a:extLst>
+                    <a:ext uri="{9D8B030D-6E8A-4147-A177-3AD203B41FA5}">
+                      <a16:colId xmlns:a16="http://schemas.microsoft.com/office/drawing/2014/main" val="4135911226"/>
+                    </a:ext>
+                  </a:extLst>
+                </a:gridCol>
+              </a:tblGrid>
+              <a:tr h="608112">
+                <a:tc>
+                  <a:txBody>
+                    <a:bodyPr/>
+                    <a:lstStyle/>
+                    <a:p>
+                      <a:r>
+                        <a:rPr lang="en-US" altLang="zh-CN" sz="2000"/>
+                        <a:t>vendor/</a:t>
+                      </a:r>
+                      <a:endParaRPr lang="zh-CN" altLang="en-US" sz="2000"/>
+                    </a:p>
+                  </a:txBody>
+                  <a:tcPr anchor="ctr"/>
+                </a:tc>
+                <a:tc>
+                  <a:txBody>
+                    <a:bodyPr/>
+                    <a:lstStyle/>
+                    <a:p>
+                      <a:r>
+                        <a:rPr lang="en-US" altLang="zh-CN" sz="2000"/>
+                        <a:t>composer</a:t>
+                      </a:r>
+                      <a:r>
+                        <a:rPr lang="zh-CN" altLang="en-US" sz="2000"/>
+                        <a:t>扩展安装目录</a:t>
+                      </a:r>
+                    </a:p>
+                  </a:txBody>
+                  <a:tcPr anchor="ctr"/>
+                </a:tc>
+                <a:extLst>
+                  <a:ext uri="{0D108BD9-81ED-4DB2-BD59-A6C34878D82A}">
+                    <a16:rowId xmlns:a16="http://schemas.microsoft.com/office/drawing/2014/main" val="3838728838"/>
+                  </a:ext>
+                </a:extLst>
+              </a:tr>
+              <a:tr h="608112">
+                <a:tc>
+                  <a:txBody>
+                    <a:bodyPr/>
+                    <a:lstStyle/>
+                    <a:p>
+                      <a:r>
+                        <a:rPr lang="en-US" altLang="zh-CN" sz="2000"/>
+                        <a:t>model/</a:t>
+                      </a:r>
+                      <a:endParaRPr lang="zh-CN" altLang="en-US" sz="2000"/>
+                    </a:p>
+                  </a:txBody>
+                  <a:tcPr anchor="ctr"/>
+                </a:tc>
+                <a:tc>
+                  <a:txBody>
+                    <a:bodyPr/>
+                    <a:lstStyle/>
+                    <a:p>
+                      <a:r>
+                        <a:rPr lang="zh-CN" altLang="en-US" sz="2000"/>
+                        <a:t>数据模型类目录，由</a:t>
+                      </a:r>
+                      <a:r>
+                        <a:rPr lang="en-US" altLang="zh-CN" sz="2000"/>
+                        <a:t>action</a:t>
+                      </a:r>
+                      <a:r>
+                        <a:rPr lang="zh-CN" altLang="en-US" sz="2000"/>
+                        <a:t>目录下的类调用</a:t>
+                      </a:r>
+                    </a:p>
+                  </a:txBody>
+                  <a:tcPr anchor="ctr"/>
+                </a:tc>
+                <a:extLst>
+                  <a:ext uri="{0D108BD9-81ED-4DB2-BD59-A6C34878D82A}">
+                    <a16:rowId xmlns:a16="http://schemas.microsoft.com/office/drawing/2014/main" val="2247126580"/>
+                  </a:ext>
+                </a:extLst>
+              </a:tr>
+              <a:tr h="608112">
+                <a:tc>
+                  <a:txBody>
+                    <a:bodyPr/>
+                    <a:lstStyle/>
+                    <a:p>
+                      <a:r>
+                        <a:rPr lang="en-US" altLang="zh-CN" sz="2000"/>
+                        <a:t>action/</a:t>
+                      </a:r>
+                      <a:endParaRPr lang="zh-CN" altLang="en-US" sz="2000"/>
+                    </a:p>
+                  </a:txBody>
+                  <a:tcPr anchor="ctr"/>
+                </a:tc>
+                <a:tc>
+                  <a:txBody>
+                    <a:bodyPr/>
+                    <a:lstStyle/>
+                    <a:p>
+                      <a:r>
+                        <a:rPr lang="zh-CN" altLang="en-US" sz="2000"/>
+                        <a:t>逻辑层，实际接口通过此目录的文件执行</a:t>
+                      </a:r>
+                    </a:p>
+                  </a:txBody>
+                  <a:tcPr anchor="ctr"/>
+                </a:tc>
+                <a:extLst>
+                  <a:ext uri="{0D108BD9-81ED-4DB2-BD59-A6C34878D82A}">
+                    <a16:rowId xmlns:a16="http://schemas.microsoft.com/office/drawing/2014/main" val="3498421209"/>
+                  </a:ext>
+                </a:extLst>
+              </a:tr>
+              <a:tr h="608112">
+                <a:tc>
+                  <a:txBody>
+                    <a:bodyPr/>
+                    <a:lstStyle/>
+                    <a:p>
+                      <a:r>
+                        <a:rPr lang="en-US" altLang="zh-CN" sz="2000"/>
+                        <a:t>lib/</a:t>
+                      </a:r>
+                      <a:endParaRPr lang="zh-CN" altLang="en-US" sz="2000"/>
+                    </a:p>
+                  </a:txBody>
+                  <a:tcPr anchor="ctr"/>
+                </a:tc>
+                <a:tc>
+                  <a:txBody>
+                    <a:bodyPr/>
+                    <a:lstStyle/>
+                    <a:p>
+                      <a:r>
+                        <a:rPr lang="zh-CN" altLang="en-US" sz="2000"/>
+                        <a:t>库函数目录，一些通用函数</a:t>
+                      </a:r>
+                    </a:p>
+                  </a:txBody>
+                  <a:tcPr anchor="ctr"/>
+                </a:tc>
+                <a:extLst>
+                  <a:ext uri="{0D108BD9-81ED-4DB2-BD59-A6C34878D82A}">
+                    <a16:rowId xmlns:a16="http://schemas.microsoft.com/office/drawing/2014/main" val="1911060739"/>
+                  </a:ext>
+                </a:extLst>
+              </a:tr>
+              <a:tr h="608112">
+                <a:tc>
+                  <a:txBody>
+                    <a:bodyPr/>
+                    <a:lstStyle/>
+                    <a:p>
+                      <a:r>
+                        <a:rPr lang="en-US" altLang="zh-CN" sz="2000"/>
+                        <a:t>start.php</a:t>
+                      </a:r>
+                      <a:endParaRPr lang="zh-CN" altLang="en-US" sz="2000"/>
+                    </a:p>
+                  </a:txBody>
+                  <a:tcPr anchor="ctr"/>
+                </a:tc>
+                <a:tc>
+                  <a:txBody>
+                    <a:bodyPr/>
+                    <a:lstStyle/>
+                    <a:p>
+                      <a:r>
+                        <a:rPr lang="zh-CN" altLang="en-US" sz="2000"/>
+                        <a:t>接口定义文件，入口文件会引入此文件执行，</a:t>
+                      </a:r>
+                    </a:p>
+                  </a:txBody>
+                  <a:tcPr anchor="ctr"/>
+                </a:tc>
+                <a:extLst>
+                  <a:ext uri="{0D108BD9-81ED-4DB2-BD59-A6C34878D82A}">
+                    <a16:rowId xmlns:a16="http://schemas.microsoft.com/office/drawing/2014/main" val="1100256593"/>
+                  </a:ext>
+                </a:extLst>
+              </a:tr>
+              <a:tr h="608112">
+                <a:tc>
+                  <a:txBody>
+                    <a:bodyPr/>
+                    <a:lstStyle/>
+                    <a:p>
+                      <a:r>
+                        <a:rPr lang="en-US" altLang="zh-CN" sz="2000"/>
+                        <a:t>public/</a:t>
+                      </a:r>
+                      <a:endParaRPr lang="zh-CN" altLang="en-US" sz="2000"/>
+                    </a:p>
+                  </a:txBody>
+                  <a:tcPr anchor="ctr"/>
+                </a:tc>
+                <a:tc>
+                  <a:txBody>
+                    <a:bodyPr/>
+                    <a:lstStyle/>
+                    <a:p>
+                      <a:r>
+                        <a:rPr lang="en-US" altLang="zh-CN" sz="2000"/>
+                        <a:t>API</a:t>
+                      </a:r>
+                      <a:r>
+                        <a:rPr lang="zh-CN" altLang="en-US" sz="2000"/>
+                        <a:t>根目录，其中的</a:t>
+                      </a:r>
+                      <a:r>
+                        <a:rPr lang="en-US" altLang="zh-CN" sz="2000"/>
+                        <a:t>index.php</a:t>
+                      </a:r>
+                      <a:r>
+                        <a:rPr lang="zh-CN" altLang="en-US" sz="2000"/>
+                        <a:t>是入口文件</a:t>
+                      </a:r>
+                    </a:p>
+                  </a:txBody>
+                  <a:tcPr anchor="ctr"/>
+                </a:tc>
+                <a:extLst>
+                  <a:ext uri="{0D108BD9-81ED-4DB2-BD59-A6C34878D82A}">
+                    <a16:rowId xmlns:a16="http://schemas.microsoft.com/office/drawing/2014/main" val="1688302656"/>
+                  </a:ext>
+                </a:extLst>
+              </a:tr>
+              <a:tr h="608112">
+                <a:tc>
+                  <a:txBody>
+                    <a:bodyPr/>
+                    <a:lstStyle/>
+                    <a:p>
+                      <a:r>
+                        <a:rPr lang="en-US" altLang="zh-CN" sz="2000"/>
+                        <a:t>core</a:t>
+                      </a:r>
+                      <a:endParaRPr lang="zh-CN" altLang="en-US" sz="2000"/>
+                    </a:p>
+                  </a:txBody>
+                  <a:tcPr anchor="ctr"/>
+                </a:tc>
+                <a:tc>
+                  <a:txBody>
+                    <a:bodyPr/>
+                    <a:lstStyle/>
+                    <a:p>
+                      <a:r>
+                        <a:rPr lang="zh-CN" altLang="en-US" sz="2000"/>
+                        <a:t>一些通用的核心类文件</a:t>
+                      </a:r>
+                    </a:p>
+                  </a:txBody>
+                  <a:tcPr anchor="ctr"/>
+                </a:tc>
+                <a:extLst>
+                  <a:ext uri="{0D108BD9-81ED-4DB2-BD59-A6C34878D82A}">
+                    <a16:rowId xmlns:a16="http://schemas.microsoft.com/office/drawing/2014/main" val="1846937136"/>
+                  </a:ext>
+                </a:extLst>
+              </a:tr>
+            </a:tbl>
+          </a:graphicData>
+        </a:graphic>
+      </p:graphicFrame>
     </p:spTree>
     <p:extLst>
       <p:ext uri="{BB962C8B-B14F-4D97-AF65-F5344CB8AC3E}">
@@ -5973,16 +6297,132 @@
           </a:bodyPr>
           <a:lstStyle/>
           <a:p>
+            <a:pPr>
+              <a:lnSpc>
+                <a:spcPct val="100000"/>
+              </a:lnSpc>
+            </a:pPr>
+            <a:r>
+              <a:rPr lang="en-US" altLang="zh-CN" sz="2400"/>
+              <a:t>composer.json</a:t>
+            </a:r>
+            <a:r>
+              <a:rPr lang="zh-CN" altLang="en-US" sz="2400"/>
+              <a:t>加入一下配置：</a:t>
+            </a:r>
+            <a:endParaRPr lang="en-US" altLang="zh-CN" sz="2400"/>
+          </a:p>
+          <a:p>
+            <a:pPr>
+              <a:lnSpc>
+                <a:spcPct val="100000"/>
+              </a:lnSpc>
+            </a:pPr>
+            <a:endParaRPr lang="en-US" altLang="zh-CN" sz="2400"/>
+          </a:p>
+          <a:p>
+            <a:pPr>
+              <a:lnSpc>
+                <a:spcPct val="100000"/>
+              </a:lnSpc>
+            </a:pPr>
+            <a:endParaRPr lang="en-US" altLang="zh-CN" sz="2400"/>
+          </a:p>
+          <a:p>
+            <a:pPr>
+              <a:lnSpc>
+                <a:spcPct val="100000"/>
+              </a:lnSpc>
+            </a:pPr>
+            <a:endParaRPr lang="en-US" altLang="zh-CN" sz="2400"/>
+          </a:p>
+          <a:p>
+            <a:pPr>
+              <a:lnSpc>
+                <a:spcPct val="100000"/>
+              </a:lnSpc>
+            </a:pPr>
+            <a:endParaRPr lang="en-US" altLang="zh-CN" sz="2400"/>
+          </a:p>
+          <a:p>
+            <a:pPr>
+              <a:lnSpc>
+                <a:spcPct val="100000"/>
+              </a:lnSpc>
+            </a:pPr>
+            <a:endParaRPr lang="en-US" altLang="zh-CN" sz="2400"/>
+          </a:p>
+          <a:p>
+            <a:pPr>
+              <a:lnSpc>
+                <a:spcPct val="100000"/>
+              </a:lnSpc>
+            </a:pPr>
+            <a:endParaRPr lang="en-US" altLang="zh-CN" sz="2400"/>
+          </a:p>
+          <a:p>
             <a:pPr marL="0" indent="0">
               <a:lnSpc>
                 <a:spcPct val="100000"/>
               </a:lnSpc>
               <a:buNone/>
             </a:pPr>
-            <a:endParaRPr lang="en-US" altLang="zh-CN" sz="1800" dirty="0"/>
-          </a:p>
-        </p:txBody>
-      </p:sp>
+            <a:endParaRPr lang="en-US" altLang="zh-CN" sz="2400"/>
+          </a:p>
+          <a:p>
+            <a:pPr>
+              <a:lnSpc>
+                <a:spcPct val="100000"/>
+              </a:lnSpc>
+            </a:pPr>
+            <a:r>
+              <a:rPr lang="zh-CN" altLang="en-US" sz="2400"/>
+              <a:t>运行：</a:t>
+            </a:r>
+            <a:r>
+              <a:rPr lang="en-US" altLang="zh-CN" sz="2400"/>
+              <a:t>composer.phar   dump-autoload</a:t>
+            </a:r>
+            <a:endParaRPr lang="en-US" altLang="zh-CN" sz="2400" dirty="0"/>
+          </a:p>
+        </p:txBody>
+      </p:sp>
+      <p:pic>
+        <p:nvPicPr>
+          <p:cNvPr id="7" name="图片 6">
+            <a:extLst>
+              <a:ext uri="{FF2B5EF4-FFF2-40B4-BE49-F238E27FC236}">
+                <a16:creationId xmlns:a16="http://schemas.microsoft.com/office/drawing/2014/main" id="{56C9350D-4978-4341-ADAA-ABBBA3CD35AF}"/>
+              </a:ext>
+            </a:extLst>
+          </p:cNvPr>
+          <p:cNvPicPr>
+            <a:picLocks noChangeAspect="1"/>
+          </p:cNvPicPr>
+          <p:nvPr/>
+        </p:nvPicPr>
+        <p:blipFill>
+          <a:blip r:embed="rId3">
+            <a:extLst>
+              <a:ext uri="{28A0092B-C50C-407E-A947-70E740481C1C}">
+                <a14:useLocalDpi xmlns:a14="http://schemas.microsoft.com/office/drawing/2010/main" val="0"/>
+              </a:ext>
+            </a:extLst>
+          </a:blip>
+          <a:stretch>
+            <a:fillRect/>
+          </a:stretch>
+        </p:blipFill>
+        <p:spPr>
+          <a:xfrm>
+            <a:off x="2617470" y="2258450"/>
+            <a:ext cx="7291180" cy="3206819"/>
+          </a:xfrm>
+          <a:prstGeom prst="rect">
+            <a:avLst/>
+          </a:prstGeom>
+        </p:spPr>
+      </p:pic>
     </p:spTree>
     <p:extLst>
       <p:ext uri="{BB962C8B-B14F-4D97-AF65-F5344CB8AC3E}">
@@ -6074,10 +6514,60 @@
           </a:bodyPr>
           <a:lstStyle/>
           <a:p>
+            <a:r>
+              <a:rPr lang="en-US" altLang="zh-CN" sz="2000"/>
+              <a:t>start.php</a:t>
+            </a:r>
+            <a:r>
+              <a:rPr lang="zh-CN" altLang="en-US" sz="2000"/>
+              <a:t>文件编写代码作为测试接口：</a:t>
+            </a:r>
+            <a:endParaRPr lang="en-US" altLang="zh-CN" sz="2000"/>
+          </a:p>
+          <a:p>
+            <a:pPr marL="0" indent="0">
+              <a:buNone/>
+            </a:pPr>
             <a:endParaRPr lang="en-US" altLang="zh-CN" sz="2000" dirty="0"/>
           </a:p>
         </p:txBody>
       </p:sp>
+      <p:pic>
+        <p:nvPicPr>
+          <p:cNvPr id="7" name="图片 6">
+            <a:extLst>
+              <a:ext uri="{FF2B5EF4-FFF2-40B4-BE49-F238E27FC236}">
+                <a16:creationId xmlns:a16="http://schemas.microsoft.com/office/drawing/2014/main" id="{B161E365-AE21-49DB-9F84-79EABD9CF148}"/>
+              </a:ext>
+            </a:extLst>
+          </p:cNvPr>
+          <p:cNvPicPr>
+            <a:picLocks noChangeAspect="1"/>
+          </p:cNvPicPr>
+          <p:nvPr/>
+        </p:nvPicPr>
+        <p:blipFill>
+          <a:blip r:embed="rId3">
+            <a:extLst>
+              <a:ext uri="{28A0092B-C50C-407E-A947-70E740481C1C}">
+                <a14:useLocalDpi xmlns:a14="http://schemas.microsoft.com/office/drawing/2010/main" val="0"/>
+              </a:ext>
+            </a:extLst>
+          </a:blip>
+          <a:stretch>
+            <a:fillRect/>
+          </a:stretch>
+        </p:blipFill>
+        <p:spPr>
+          <a:xfrm>
+            <a:off x="1162049" y="1975658"/>
+            <a:ext cx="10197795" cy="4882342"/>
+          </a:xfrm>
+          <a:prstGeom prst="rect">
+            <a:avLst/>
+          </a:prstGeom>
+        </p:spPr>
+      </p:pic>
     </p:spTree>
     <p:extLst>
       <p:ext uri="{BB962C8B-B14F-4D97-AF65-F5344CB8AC3E}">
@@ -6169,10 +6659,75 @@
           </a:bodyPr>
           <a:lstStyle/>
           <a:p>
+            <a:r>
+              <a:rPr lang="zh-CN" altLang="en-US" sz="2000"/>
+              <a:t>使用本地页面运行</a:t>
+            </a:r>
+            <a:r>
+              <a:rPr lang="en-US" altLang="zh-CN" sz="2000"/>
+              <a:t>AJAX</a:t>
+            </a:r>
+            <a:r>
+              <a:rPr lang="zh-CN" altLang="en-US" sz="2000"/>
+              <a:t>请求接口返回结果，</a:t>
+            </a:r>
+            <a:r>
+              <a:rPr lang="en-US" altLang="zh-CN" sz="2000"/>
+              <a:t>F12</a:t>
+            </a:r>
+            <a:r>
+              <a:rPr lang="zh-CN" altLang="en-US" sz="2000"/>
+              <a:t>查看调试信息，在响应头信息查看到</a:t>
+            </a:r>
+            <a:r>
+              <a:rPr lang="en-US" altLang="zh-CN" sz="2000"/>
+              <a:t>Access-Control-Allow-Origin</a:t>
+            </a:r>
+          </a:p>
+          <a:p>
+            <a:pPr marL="0" indent="0">
+              <a:buNone/>
+            </a:pPr>
             <a:endParaRPr lang="zh-CN" altLang="en-US" sz="2000" dirty="0"/>
           </a:p>
         </p:txBody>
       </p:sp>
+      <p:pic>
+        <p:nvPicPr>
+          <p:cNvPr id="5" name="图片 4">
+            <a:extLst>
+              <a:ext uri="{FF2B5EF4-FFF2-40B4-BE49-F238E27FC236}">
+                <a16:creationId xmlns:a16="http://schemas.microsoft.com/office/drawing/2014/main" id="{6886CC2E-9683-4162-9E23-F024C3A6D6EC}"/>
+              </a:ext>
+            </a:extLst>
+          </p:cNvPr>
+          <p:cNvPicPr>
+            <a:picLocks noChangeAspect="1"/>
+          </p:cNvPicPr>
+          <p:nvPr/>
+        </p:nvPicPr>
+        <p:blipFill>
+          <a:blip r:embed="rId3">
+            <a:extLst>
+              <a:ext uri="{28A0092B-C50C-407E-A947-70E740481C1C}">
+                <a14:useLocalDpi xmlns:a14="http://schemas.microsoft.com/office/drawing/2010/main" val="0"/>
+              </a:ext>
+            </a:extLst>
+          </a:blip>
+          <a:stretch>
+            <a:fillRect/>
+          </a:stretch>
+        </p:blipFill>
+        <p:spPr>
+          <a:xfrm>
+            <a:off x="1185202" y="2362492"/>
+            <a:ext cx="5303521" cy="2741869"/>
+          </a:xfrm>
+          <a:prstGeom prst="rect">
+            <a:avLst/>
+          </a:prstGeom>
+        </p:spPr>
+      </p:pic>
     </p:spTree>
     <p:extLst>
       <p:ext uri="{BB962C8B-B14F-4D97-AF65-F5344CB8AC3E}">
